--- a/apresentaçao acidente - Informatica.pptx
+++ b/apresentaçao acidente - Informatica.pptx
@@ -129,7 +129,7 @@
 <file path=ppt/revisionInfo.xml><?xml version="1.0" encoding="utf-8"?>
 <p1510:revInfo xmlns:a="http://schemas.openxmlformats.org/drawingml/2006/main" xmlns:r="http://schemas.openxmlformats.org/officeDocument/2006/relationships" xmlns:p1510="http://schemas.microsoft.com/office/powerpoint/2015/10/main">
   <p1510:revLst>
-    <p1510:client id="{8AE61034-7D3B-4A64-9006-148695C48286}" v="61" dt="2022-04-29T10:28:08.200"/>
+    <p1510:client id="{8AE61034-7D3B-4A64-9006-148695C48286}" v="62" dt="2022-04-29T11:03:48.639"/>
   </p1510:revLst>
 </p1510:revInfo>
 </file>
@@ -139,7 +139,7 @@
   <pc:docChgLst>
     <pc:chgData name="Rodrigo Hirayama" userId="fc96f93a-f365-4223-b347-5827df1171f0" providerId="ADAL" clId="{8AE61034-7D3B-4A64-9006-148695C48286}"/>
     <pc:docChg chg="undo custSel mod addSld delSld modSld modMainMaster">
-      <pc:chgData name="Rodrigo Hirayama" userId="fc96f93a-f365-4223-b347-5827df1171f0" providerId="ADAL" clId="{8AE61034-7D3B-4A64-9006-148695C48286}" dt="2022-04-29T10:29:46.421" v="1849" actId="20577"/>
+      <pc:chgData name="Rodrigo Hirayama" userId="fc96f93a-f365-4223-b347-5827df1171f0" providerId="ADAL" clId="{8AE61034-7D3B-4A64-9006-148695C48286}" dt="2022-04-29T11:03:51.229" v="1854" actId="20577"/>
       <pc:docMkLst>
         <pc:docMk/>
       </pc:docMkLst>
@@ -686,7 +686,7 @@
         </pc:spChg>
       </pc:sldChg>
       <pc:sldChg chg="modSp add mod">
-        <pc:chgData name="Rodrigo Hirayama" userId="fc96f93a-f365-4223-b347-5827df1171f0" providerId="ADAL" clId="{8AE61034-7D3B-4A64-9006-148695C48286}" dt="2022-04-27T18:34:22.829" v="146" actId="20577"/>
+        <pc:chgData name="Rodrigo Hirayama" userId="fc96f93a-f365-4223-b347-5827df1171f0" providerId="ADAL" clId="{8AE61034-7D3B-4A64-9006-148695C48286}" dt="2022-04-29T11:03:51.229" v="1854" actId="20577"/>
         <pc:sldMkLst>
           <pc:docMk/>
           <pc:sldMk cId="2707283700" sldId="267"/>
@@ -700,7 +700,7 @@
           </ac:spMkLst>
         </pc:spChg>
         <pc:spChg chg="mod">
-          <ac:chgData name="Rodrigo Hirayama" userId="fc96f93a-f365-4223-b347-5827df1171f0" providerId="ADAL" clId="{8AE61034-7D3B-4A64-9006-148695C48286}" dt="2022-04-27T18:34:22.829" v="146" actId="20577"/>
+          <ac:chgData name="Rodrigo Hirayama" userId="fc96f93a-f365-4223-b347-5827df1171f0" providerId="ADAL" clId="{8AE61034-7D3B-4A64-9006-148695C48286}" dt="2022-04-29T11:03:51.229" v="1854" actId="20577"/>
           <ac:spMkLst>
             <pc:docMk/>
             <pc:sldMk cId="2707283700" sldId="267"/>
@@ -8318,7 +8318,7 @@
         </p:spPr>
         <p:txBody>
           <a:bodyPr>
-            <a:normAutofit fontScale="92500" lnSpcReduction="10000"/>
+            <a:normAutofit fontScale="92500" lnSpcReduction="20000"/>
           </a:bodyPr>
           <a:lstStyle/>
           <a:p>
@@ -8347,7 +8347,7 @@
             </a:r>
             <a:r>
               <a:rPr lang="pt-BR" dirty="0"/>
-              <a:t> Rodrigo Hirayama</a:t>
+              <a:t> Milton de Souza Neto, Rodrigo Hirayama</a:t>
             </a:r>
           </a:p>
           <a:p>
